--- a/Rudin/Dummified_ppt.pptx
+++ b/Rudin/Dummified_ppt.pptx
@@ -2046,6 +2046,13 @@
         </dgm:presLayoutVars>
       </dgm:prSet>
       <dgm:spPr/>
+      <dgm:t>
+        <a:bodyPr/>
+        <a:lstStyle/>
+        <a:p>
+          <a:endParaRPr lang="en-US"/>
+        </a:p>
+      </dgm:t>
     </dgm:pt>
     <dgm:pt modelId="{EA9D04FD-AF11-E74F-B118-FD6D46E0AD9E}" type="pres">
       <dgm:prSet presAssocID="{ECFC5F45-27C6-8F48-BBBD-5E93BD068D65}" presName="roof" presStyleLbl="dkBgShp" presStyleIdx="0" presStyleCnt="2"/>
@@ -2400,6 +2407,13 @@
         </dgm:presLayoutVars>
       </dgm:prSet>
       <dgm:spPr/>
+      <dgm:t>
+        <a:bodyPr/>
+        <a:lstStyle/>
+        <a:p>
+          <a:endParaRPr lang="en-US"/>
+        </a:p>
+      </dgm:t>
     </dgm:pt>
     <dgm:pt modelId="{00AFD24F-7431-FB42-AF02-666D6EE7BBB6}" type="pres">
       <dgm:prSet presAssocID="{67482DED-E075-8744-87DB-154E36F8FB9A}" presName="node" presStyleLbl="node1" presStyleIdx="0" presStyleCnt="5">
@@ -2408,6 +2422,13 @@
         </dgm:presLayoutVars>
       </dgm:prSet>
       <dgm:spPr/>
+      <dgm:t>
+        <a:bodyPr/>
+        <a:lstStyle/>
+        <a:p>
+          <a:endParaRPr lang="en-US"/>
+        </a:p>
+      </dgm:t>
     </dgm:pt>
     <dgm:pt modelId="{A0E3D868-5AED-274D-92A1-2B20AA1B0249}" type="pres">
       <dgm:prSet presAssocID="{67482DED-E075-8744-87DB-154E36F8FB9A}" presName="spNode" presStyleCnt="0"/>
@@ -2416,6 +2437,13 @@
     <dgm:pt modelId="{0AEC02B4-3B36-9A45-9BED-9E4B4C9E5FAF}" type="pres">
       <dgm:prSet presAssocID="{4DE5FA13-49B5-244D-B29E-FB6060E4A933}" presName="sibTrans" presStyleLbl="sibTrans1D1" presStyleIdx="0" presStyleCnt="5"/>
       <dgm:spPr/>
+      <dgm:t>
+        <a:bodyPr/>
+        <a:lstStyle/>
+        <a:p>
+          <a:endParaRPr lang="en-US"/>
+        </a:p>
+      </dgm:t>
     </dgm:pt>
     <dgm:pt modelId="{4E5D4A22-F0B5-E643-AFF2-6AC4FC88163D}" type="pres">
       <dgm:prSet presAssocID="{51D176A8-A7A8-9D4B-8692-B287635A299C}" presName="node" presStyleLbl="node1" presStyleIdx="1" presStyleCnt="5">
@@ -2439,6 +2467,13 @@
     <dgm:pt modelId="{A65C3D18-AD1A-7A46-8748-D391A2CE3583}" type="pres">
       <dgm:prSet presAssocID="{0E266B23-68D1-394D-A785-3AC7DCFC8D5B}" presName="sibTrans" presStyleLbl="sibTrans1D1" presStyleIdx="1" presStyleCnt="5"/>
       <dgm:spPr/>
+      <dgm:t>
+        <a:bodyPr/>
+        <a:lstStyle/>
+        <a:p>
+          <a:endParaRPr lang="en-US"/>
+        </a:p>
+      </dgm:t>
     </dgm:pt>
     <dgm:pt modelId="{520435C9-3078-DF45-8A33-6E2C98722E5D}" type="pres">
       <dgm:prSet presAssocID="{21A2160E-114F-5746-ADE2-1033B7C95A16}" presName="node" presStyleLbl="node1" presStyleIdx="2" presStyleCnt="5">
@@ -2462,6 +2497,13 @@
     <dgm:pt modelId="{B7765F42-DD0C-4647-ABE3-912C5D7BC441}" type="pres">
       <dgm:prSet presAssocID="{E71AFA83-4B89-2D4D-A2A5-B8E54A0B6E2F}" presName="sibTrans" presStyleLbl="sibTrans1D1" presStyleIdx="2" presStyleCnt="5"/>
       <dgm:spPr/>
+      <dgm:t>
+        <a:bodyPr/>
+        <a:lstStyle/>
+        <a:p>
+          <a:endParaRPr lang="en-US"/>
+        </a:p>
+      </dgm:t>
     </dgm:pt>
     <dgm:pt modelId="{5531D645-178D-D648-9869-5D9E5FF2F06B}" type="pres">
       <dgm:prSet presAssocID="{9EC2CEEC-98FD-6B42-9D9D-E63DF465869C}" presName="node" presStyleLbl="node1" presStyleIdx="3" presStyleCnt="5">
@@ -2485,6 +2527,13 @@
     <dgm:pt modelId="{76D5B416-156B-6F40-8CFB-5DEB2A2B89A7}" type="pres">
       <dgm:prSet presAssocID="{CB9FF0C9-F67B-D341-A6FA-0CDA23114995}" presName="sibTrans" presStyleLbl="sibTrans1D1" presStyleIdx="3" presStyleCnt="5"/>
       <dgm:spPr/>
+      <dgm:t>
+        <a:bodyPr/>
+        <a:lstStyle/>
+        <a:p>
+          <a:endParaRPr lang="en-US"/>
+        </a:p>
+      </dgm:t>
     </dgm:pt>
     <dgm:pt modelId="{8ABA455E-FC65-F44C-8C9A-59B6D3B8007C}" type="pres">
       <dgm:prSet presAssocID="{EA56345F-A8E1-4945-8398-1131689FA7A8}" presName="node" presStyleLbl="node1" presStyleIdx="4" presStyleCnt="5">
@@ -2508,19 +2557,26 @@
     <dgm:pt modelId="{5DF7CADF-DDE3-0F43-9C1E-052520FE873A}" type="pres">
       <dgm:prSet presAssocID="{E0750332-18F5-3D4E-A277-975BB118552B}" presName="sibTrans" presStyleLbl="sibTrans1D1" presStyleIdx="4" presStyleCnt="5"/>
       <dgm:spPr/>
+      <dgm:t>
+        <a:bodyPr/>
+        <a:lstStyle/>
+        <a:p>
+          <a:endParaRPr lang="en-US"/>
+        </a:p>
+      </dgm:t>
     </dgm:pt>
   </dgm:ptLst>
   <dgm:cxnLst>
     <dgm:cxn modelId="{28DFD1C1-8A24-7C47-93BC-0FA0C3C06C47}" srcId="{5E1CEDFC-3E63-CD4B-9064-1E9E53C579B6}" destId="{21A2160E-114F-5746-ADE2-1033B7C95A16}" srcOrd="2" destOrd="0" parTransId="{11A933E0-E538-A149-9DD1-A04A043A7C9B}" sibTransId="{E71AFA83-4B89-2D4D-A2A5-B8E54A0B6E2F}"/>
     <dgm:cxn modelId="{C0CC8705-6D01-0B4B-B028-1FEFEB7BE6C5}" type="presOf" srcId="{67482DED-E075-8744-87DB-154E36F8FB9A}" destId="{00AFD24F-7431-FB42-AF02-666D6EE7BBB6}" srcOrd="0" destOrd="0" presId="urn:microsoft.com/office/officeart/2005/8/layout/cycle5"/>
     <dgm:cxn modelId="{06344214-AD2D-2642-8AAF-351BA5E872D2}" srcId="{5E1CEDFC-3E63-CD4B-9064-1E9E53C579B6}" destId="{9EC2CEEC-98FD-6B42-9D9D-E63DF465869C}" srcOrd="3" destOrd="0" parTransId="{98207A70-7A08-AF48-A044-C37547777203}" sibTransId="{CB9FF0C9-F67B-D341-A6FA-0CDA23114995}"/>
+    <dgm:cxn modelId="{96F721F7-0F51-2D43-882E-C54549A202E0}" type="presOf" srcId="{4DE5FA13-49B5-244D-B29E-FB6060E4A933}" destId="{0AEC02B4-3B36-9A45-9BED-9E4B4C9E5FAF}" srcOrd="0" destOrd="0" presId="urn:microsoft.com/office/officeart/2005/8/layout/cycle5"/>
+    <dgm:cxn modelId="{D47B502B-2F73-AC4E-B65F-7D1682F5B8CE}" type="presOf" srcId="{0E266B23-68D1-394D-A785-3AC7DCFC8D5B}" destId="{A65C3D18-AD1A-7A46-8748-D391A2CE3583}" srcOrd="0" destOrd="0" presId="urn:microsoft.com/office/officeart/2005/8/layout/cycle5"/>
     <dgm:cxn modelId="{E033D65D-B02E-D646-9D8B-5E79488B25D4}" type="presOf" srcId="{EA56345F-A8E1-4945-8398-1131689FA7A8}" destId="{8ABA455E-FC65-F44C-8C9A-59B6D3B8007C}" srcOrd="0" destOrd="0" presId="urn:microsoft.com/office/officeart/2005/8/layout/cycle5"/>
-    <dgm:cxn modelId="{D47B502B-2F73-AC4E-B65F-7D1682F5B8CE}" type="presOf" srcId="{0E266B23-68D1-394D-A785-3AC7DCFC8D5B}" destId="{A65C3D18-AD1A-7A46-8748-D391A2CE3583}" srcOrd="0" destOrd="0" presId="urn:microsoft.com/office/officeart/2005/8/layout/cycle5"/>
-    <dgm:cxn modelId="{96F721F7-0F51-2D43-882E-C54549A202E0}" type="presOf" srcId="{4DE5FA13-49B5-244D-B29E-FB6060E4A933}" destId="{0AEC02B4-3B36-9A45-9BED-9E4B4C9E5FAF}" srcOrd="0" destOrd="0" presId="urn:microsoft.com/office/officeart/2005/8/layout/cycle5"/>
     <dgm:cxn modelId="{9A935867-F99A-7C48-B1AB-FDC61DF9578F}" type="presOf" srcId="{CB9FF0C9-F67B-D341-A6FA-0CDA23114995}" destId="{76D5B416-156B-6F40-8CFB-5DEB2A2B89A7}" srcOrd="0" destOrd="0" presId="urn:microsoft.com/office/officeart/2005/8/layout/cycle5"/>
     <dgm:cxn modelId="{9A995D5C-9BE7-0741-AB23-4BB21C6C3BC3}" type="presOf" srcId="{E0750332-18F5-3D4E-A277-975BB118552B}" destId="{5DF7CADF-DDE3-0F43-9C1E-052520FE873A}" srcOrd="0" destOrd="0" presId="urn:microsoft.com/office/officeart/2005/8/layout/cycle5"/>
+    <dgm:cxn modelId="{4896328C-8980-6D48-8186-CCA6B196BB3D}" type="presOf" srcId="{9EC2CEEC-98FD-6B42-9D9D-E63DF465869C}" destId="{5531D645-178D-D648-9869-5D9E5FF2F06B}" srcOrd="0" destOrd="0" presId="urn:microsoft.com/office/officeart/2005/8/layout/cycle5"/>
     <dgm:cxn modelId="{8C1170DE-BF27-BC48-9D69-F4D6FC24A0F2}" type="presOf" srcId="{E71AFA83-4B89-2D4D-A2A5-B8E54A0B6E2F}" destId="{B7765F42-DD0C-4647-ABE3-912C5D7BC441}" srcOrd="0" destOrd="0" presId="urn:microsoft.com/office/officeart/2005/8/layout/cycle5"/>
-    <dgm:cxn modelId="{4896328C-8980-6D48-8186-CCA6B196BB3D}" type="presOf" srcId="{9EC2CEEC-98FD-6B42-9D9D-E63DF465869C}" destId="{5531D645-178D-D648-9869-5D9E5FF2F06B}" srcOrd="0" destOrd="0" presId="urn:microsoft.com/office/officeart/2005/8/layout/cycle5"/>
     <dgm:cxn modelId="{388F5C2E-DEBB-7C43-83AD-18052DB2BA23}" type="presOf" srcId="{51D176A8-A7A8-9D4B-8692-B287635A299C}" destId="{4E5D4A22-F0B5-E643-AFF2-6AC4FC88163D}" srcOrd="0" destOrd="0" presId="urn:microsoft.com/office/officeart/2005/8/layout/cycle5"/>
     <dgm:cxn modelId="{615BB4F3-F013-564E-9E86-5F1180E4E8DF}" srcId="{5E1CEDFC-3E63-CD4B-9064-1E9E53C579B6}" destId="{EA56345F-A8E1-4945-8398-1131689FA7A8}" srcOrd="4" destOrd="0" parTransId="{DEFDBBBB-08D9-004E-BA6F-4D4E59A3F46F}" sibTransId="{E0750332-18F5-3D4E-A277-975BB118552B}"/>
     <dgm:cxn modelId="{350F3346-2482-664B-9930-E54775F33CB6}" type="presOf" srcId="{21A2160E-114F-5746-ADE2-1033B7C95A16}" destId="{520435C9-3078-DF45-8A33-6E2C98722E5D}" srcOrd="0" destOrd="0" presId="urn:microsoft.com/office/officeart/2005/8/layout/cycle5"/>
@@ -6999,7 +7055,7 @@
           <a:noFill/>
           <a:extLst>
             <a:ext uri="{909E8E84-426E-40dd-AFC4-6F175D3DCCD1}">
-              <a14:hiddenFill xmlns:a14="http://schemas.microsoft.com/office/drawing/2010/main" xmlns="">
+              <a14:hiddenFill xmlns="" xmlns:a14="http://schemas.microsoft.com/office/drawing/2010/main">
                 <a:solidFill>
                   <a:srgbClr val="FFFFFF"/>
                 </a:solidFill>
@@ -7059,7 +7115,7 @@
             </a:ln>
             <a:extLst>
               <a:ext uri="{91240B29-F687-4f45-9708-019B960494DF}">
-                <a14:hiddenLine xmlns:a14="http://schemas.microsoft.com/office/drawing/2010/main" xmlns="" w="9525">
+                <a14:hiddenLine xmlns="" xmlns:a14="http://schemas.microsoft.com/office/drawing/2010/main" w="9525">
                   <a:solidFill>
                     <a:srgbClr val="000000"/>
                   </a:solidFill>
@@ -7149,7 +7205,7 @@
             </a:ln>
             <a:extLst>
               <a:ext uri="{91240B29-F687-4f45-9708-019B960494DF}">
-                <a14:hiddenLine xmlns:a14="http://schemas.microsoft.com/office/drawing/2010/main" xmlns="" w="9525">
+                <a14:hiddenLine xmlns="" xmlns:a14="http://schemas.microsoft.com/office/drawing/2010/main" w="9525">
                   <a:solidFill>
                     <a:srgbClr val="000000"/>
                   </a:solidFill>
@@ -7239,7 +7295,7 @@
             </a:ln>
             <a:extLst>
               <a:ext uri="{91240B29-F687-4f45-9708-019B960494DF}">
-                <a14:hiddenLine xmlns:a14="http://schemas.microsoft.com/office/drawing/2010/main" xmlns="" w="9525">
+                <a14:hiddenLine xmlns="" xmlns:a14="http://schemas.microsoft.com/office/drawing/2010/main" w="9525">
                   <a:solidFill>
                     <a:srgbClr val="000000"/>
                   </a:solidFill>
@@ -7273,7 +7329,7 @@
             </a:ln>
             <a:extLst>
               <a:ext uri="{91240B29-F687-4f45-9708-019B960494DF}">
-                <a14:hiddenLine xmlns:a14="http://schemas.microsoft.com/office/drawing/2010/main" xmlns="" w="9525">
+                <a14:hiddenLine xmlns="" xmlns:a14="http://schemas.microsoft.com/office/drawing/2010/main" w="9525">
                   <a:solidFill>
                     <a:srgbClr val="000000"/>
                   </a:solidFill>
@@ -7363,7 +7419,7 @@
             </a:ln>
             <a:extLst>
               <a:ext uri="{91240B29-F687-4f45-9708-019B960494DF}">
-                <a14:hiddenLine xmlns:a14="http://schemas.microsoft.com/office/drawing/2010/main" xmlns="" w="9525">
+                <a14:hiddenLine xmlns="" xmlns:a14="http://schemas.microsoft.com/office/drawing/2010/main" w="9525">
                   <a:solidFill>
                     <a:srgbClr val="000000"/>
                   </a:solidFill>
@@ -7425,7 +7481,7 @@
             </a:ln>
             <a:extLst>
               <a:ext uri="{91240B29-F687-4f45-9708-019B960494DF}">
-                <a14:hiddenLine xmlns:a14="http://schemas.microsoft.com/office/drawing/2010/main" xmlns="" w="9525">
+                <a14:hiddenLine xmlns="" xmlns:a14="http://schemas.microsoft.com/office/drawing/2010/main" w="9525">
                   <a:solidFill>
                     <a:srgbClr val="000000"/>
                   </a:solidFill>
@@ -7487,7 +7543,7 @@
             </a:ln>
             <a:extLst>
               <a:ext uri="{91240B29-F687-4f45-9708-019B960494DF}">
-                <a14:hiddenLine xmlns:a14="http://schemas.microsoft.com/office/drawing/2010/main" xmlns="" w="9525">
+                <a14:hiddenLine xmlns="" xmlns:a14="http://schemas.microsoft.com/office/drawing/2010/main" w="9525">
                   <a:solidFill>
                     <a:srgbClr val="000000"/>
                   </a:solidFill>
@@ -7577,7 +7633,7 @@
             </a:ln>
             <a:extLst>
               <a:ext uri="{91240B29-F687-4f45-9708-019B960494DF}">
-                <a14:hiddenLine xmlns:a14="http://schemas.microsoft.com/office/drawing/2010/main" xmlns="" w="9525">
+                <a14:hiddenLine xmlns="" xmlns:a14="http://schemas.microsoft.com/office/drawing/2010/main" w="9525">
                   <a:solidFill>
                     <a:srgbClr val="000000"/>
                   </a:solidFill>
@@ -7639,7 +7695,7 @@
             </a:ln>
             <a:extLst>
               <a:ext uri="{91240B29-F687-4f45-9708-019B960494DF}">
-                <a14:hiddenLine xmlns:a14="http://schemas.microsoft.com/office/drawing/2010/main" xmlns="" w="9525">
+                <a14:hiddenLine xmlns="" xmlns:a14="http://schemas.microsoft.com/office/drawing/2010/main" w="9525">
                   <a:solidFill>
                     <a:srgbClr val="000000"/>
                   </a:solidFill>
@@ -7701,7 +7757,7 @@
             </a:ln>
             <a:extLst>
               <a:ext uri="{91240B29-F687-4f45-9708-019B960494DF}">
-                <a14:hiddenLine xmlns:a14="http://schemas.microsoft.com/office/drawing/2010/main" xmlns="" w="9525">
+                <a14:hiddenLine xmlns="" xmlns:a14="http://schemas.microsoft.com/office/drawing/2010/main" w="9525">
                   <a:solidFill>
                     <a:srgbClr val="000000"/>
                   </a:solidFill>
@@ -7791,7 +7847,7 @@
             </a:ln>
             <a:extLst>
               <a:ext uri="{91240B29-F687-4f45-9708-019B960494DF}">
-                <a14:hiddenLine xmlns:a14="http://schemas.microsoft.com/office/drawing/2010/main" xmlns="" w="9525">
+                <a14:hiddenLine xmlns="" xmlns:a14="http://schemas.microsoft.com/office/drawing/2010/main" w="9525">
                   <a:solidFill>
                     <a:srgbClr val="000000"/>
                   </a:solidFill>
@@ -7881,7 +7937,7 @@
             </a:ln>
             <a:extLst>
               <a:ext uri="{91240B29-F687-4f45-9708-019B960494DF}">
-                <a14:hiddenLine xmlns:a14="http://schemas.microsoft.com/office/drawing/2010/main" xmlns="" w="9525">
+                <a14:hiddenLine xmlns="" xmlns:a14="http://schemas.microsoft.com/office/drawing/2010/main" w="9525">
                   <a:solidFill>
                     <a:srgbClr val="000000"/>
                   </a:solidFill>
@@ -7943,7 +7999,7 @@
             </a:ln>
             <a:extLst>
               <a:ext uri="{91240B29-F687-4f45-9708-019B960494DF}">
-                <a14:hiddenLine xmlns:a14="http://schemas.microsoft.com/office/drawing/2010/main" xmlns="" w="9525">
+                <a14:hiddenLine xmlns="" xmlns:a14="http://schemas.microsoft.com/office/drawing/2010/main" w="9525">
                   <a:solidFill>
                     <a:srgbClr val="000000"/>
                   </a:solidFill>
@@ -8053,7 +8109,7 @@
             </a:ln>
             <a:extLst>
               <a:ext uri="{91240B29-F687-4f45-9708-019B960494DF}">
-                <a14:hiddenLine xmlns:a14="http://schemas.microsoft.com/office/drawing/2010/main" xmlns="" w="9525">
+                <a14:hiddenLine xmlns="" xmlns:a14="http://schemas.microsoft.com/office/drawing/2010/main" w="9525">
                   <a:solidFill>
                     <a:srgbClr val="000000"/>
                   </a:solidFill>
@@ -8115,7 +8171,7 @@
             </a:ln>
             <a:extLst>
               <a:ext uri="{91240B29-F687-4f45-9708-019B960494DF}">
-                <a14:hiddenLine xmlns:a14="http://schemas.microsoft.com/office/drawing/2010/main" xmlns="" w="9525">
+                <a14:hiddenLine xmlns="" xmlns:a14="http://schemas.microsoft.com/office/drawing/2010/main" w="9525">
                   <a:solidFill>
                     <a:srgbClr val="000000"/>
                   </a:solidFill>
@@ -8205,7 +8261,7 @@
             </a:ln>
             <a:extLst>
               <a:ext uri="{91240B29-F687-4f45-9708-019B960494DF}">
-                <a14:hiddenLine xmlns:a14="http://schemas.microsoft.com/office/drawing/2010/main" xmlns="" w="9525">
+                <a14:hiddenLine xmlns="" xmlns:a14="http://schemas.microsoft.com/office/drawing/2010/main" w="9525">
                   <a:solidFill>
                     <a:srgbClr val="000000"/>
                   </a:solidFill>
@@ -8295,7 +8351,7 @@
             </a:ln>
             <a:extLst>
               <a:ext uri="{91240B29-F687-4f45-9708-019B960494DF}">
-                <a14:hiddenLine xmlns:a14="http://schemas.microsoft.com/office/drawing/2010/main" xmlns="" w="9525">
+                <a14:hiddenLine xmlns="" xmlns:a14="http://schemas.microsoft.com/office/drawing/2010/main" w="9525">
                   <a:solidFill>
                     <a:srgbClr val="000000"/>
                   </a:solidFill>
@@ -8357,7 +8413,7 @@
             </a:ln>
             <a:extLst>
               <a:ext uri="{91240B29-F687-4f45-9708-019B960494DF}">
-                <a14:hiddenLine xmlns:a14="http://schemas.microsoft.com/office/drawing/2010/main" xmlns="" w="9525">
+                <a14:hiddenLine xmlns="" xmlns:a14="http://schemas.microsoft.com/office/drawing/2010/main" w="9525">
                   <a:solidFill>
                     <a:srgbClr val="000000"/>
                   </a:solidFill>
@@ -8447,7 +8503,7 @@
             </a:ln>
             <a:extLst>
               <a:ext uri="{91240B29-F687-4f45-9708-019B960494DF}">
-                <a14:hiddenLine xmlns:a14="http://schemas.microsoft.com/office/drawing/2010/main" xmlns="" w="9525">
+                <a14:hiddenLine xmlns="" xmlns:a14="http://schemas.microsoft.com/office/drawing/2010/main" w="9525">
                   <a:solidFill>
                     <a:srgbClr val="000000"/>
                   </a:solidFill>
@@ -8537,7 +8593,7 @@
             </a:ln>
             <a:extLst>
               <a:ext uri="{91240B29-F687-4f45-9708-019B960494DF}">
-                <a14:hiddenLine xmlns:a14="http://schemas.microsoft.com/office/drawing/2010/main" xmlns="" w="9525">
+                <a14:hiddenLine xmlns="" xmlns:a14="http://schemas.microsoft.com/office/drawing/2010/main" w="9525">
                   <a:solidFill>
                     <a:srgbClr val="000000"/>
                   </a:solidFill>
@@ -8593,7 +8649,7 @@
             </a:ln>
             <a:extLst>
               <a:ext uri="{91240B29-F687-4f45-9708-019B960494DF}">
-                <a14:hiddenLine xmlns:a14="http://schemas.microsoft.com/office/drawing/2010/main" xmlns="" w="9525">
+                <a14:hiddenLine xmlns="" xmlns:a14="http://schemas.microsoft.com/office/drawing/2010/main" w="9525">
                   <a:solidFill>
                     <a:srgbClr val="000000"/>
                   </a:solidFill>
@@ -8683,7 +8739,7 @@
             </a:ln>
             <a:extLst>
               <a:ext uri="{91240B29-F687-4f45-9708-019B960494DF}">
-                <a14:hiddenLine xmlns:a14="http://schemas.microsoft.com/office/drawing/2010/main" xmlns="" w="9525">
+                <a14:hiddenLine xmlns="" xmlns:a14="http://schemas.microsoft.com/office/drawing/2010/main" w="9525">
                   <a:solidFill>
                     <a:srgbClr val="000000"/>
                   </a:solidFill>
@@ -8739,7 +8795,7 @@
             </a:ln>
             <a:extLst>
               <a:ext uri="{91240B29-F687-4f45-9708-019B960494DF}">
-                <a14:hiddenLine xmlns:a14="http://schemas.microsoft.com/office/drawing/2010/main" xmlns="" w="9525">
+                <a14:hiddenLine xmlns="" xmlns:a14="http://schemas.microsoft.com/office/drawing/2010/main" w="9525">
                   <a:solidFill>
                     <a:srgbClr val="000000"/>
                   </a:solidFill>
@@ -8829,7 +8885,7 @@
             </a:ln>
             <a:extLst>
               <a:ext uri="{91240B29-F687-4f45-9708-019B960494DF}">
-                <a14:hiddenLine xmlns:a14="http://schemas.microsoft.com/office/drawing/2010/main" xmlns="" w="9525">
+                <a14:hiddenLine xmlns="" xmlns:a14="http://schemas.microsoft.com/office/drawing/2010/main" w="9525">
                   <a:solidFill>
                     <a:srgbClr val="000000"/>
                   </a:solidFill>
@@ -8897,7 +8953,7 @@
             </a:ln>
             <a:extLst>
               <a:ext uri="{91240B29-F687-4f45-9708-019B960494DF}">
-                <a14:hiddenLine xmlns:a14="http://schemas.microsoft.com/office/drawing/2010/main" xmlns="" w="9525">
+                <a14:hiddenLine xmlns="" xmlns:a14="http://schemas.microsoft.com/office/drawing/2010/main" w="9525">
                   <a:solidFill>
                     <a:srgbClr val="000000"/>
                   </a:solidFill>
@@ -8987,7 +9043,7 @@
             </a:ln>
             <a:extLst>
               <a:ext uri="{91240B29-F687-4f45-9708-019B960494DF}">
-                <a14:hiddenLine xmlns:a14="http://schemas.microsoft.com/office/drawing/2010/main" xmlns="" w="9525">
+                <a14:hiddenLine xmlns="" xmlns:a14="http://schemas.microsoft.com/office/drawing/2010/main" w="9525">
                   <a:solidFill>
                     <a:srgbClr val="000000"/>
                   </a:solidFill>
@@ -9055,7 +9111,7 @@
             </a:ln>
             <a:extLst>
               <a:ext uri="{91240B29-F687-4f45-9708-019B960494DF}">
-                <a14:hiddenLine xmlns:a14="http://schemas.microsoft.com/office/drawing/2010/main" xmlns="" w="9525">
+                <a14:hiddenLine xmlns="" xmlns:a14="http://schemas.microsoft.com/office/drawing/2010/main" w="9525">
                   <a:solidFill>
                     <a:srgbClr val="000000"/>
                   </a:solidFill>
@@ -9145,7 +9201,7 @@
             </a:ln>
             <a:extLst>
               <a:ext uri="{91240B29-F687-4f45-9708-019B960494DF}">
-                <a14:hiddenLine xmlns:a14="http://schemas.microsoft.com/office/drawing/2010/main" xmlns="" w="9525">
+                <a14:hiddenLine xmlns="" xmlns:a14="http://schemas.microsoft.com/office/drawing/2010/main" w="9525">
                   <a:solidFill>
                     <a:srgbClr val="000000"/>
                   </a:solidFill>
@@ -9179,7 +9235,7 @@
             </a:ln>
             <a:extLst>
               <a:ext uri="{91240B29-F687-4f45-9708-019B960494DF}">
-                <a14:hiddenLine xmlns:a14="http://schemas.microsoft.com/office/drawing/2010/main" xmlns="" w="9525">
+                <a14:hiddenLine xmlns="" xmlns:a14="http://schemas.microsoft.com/office/drawing/2010/main" w="9525">
                   <a:solidFill>
                     <a:srgbClr val="000000"/>
                   </a:solidFill>
@@ -9269,7 +9325,7 @@
             </a:ln>
             <a:extLst>
               <a:ext uri="{91240B29-F687-4f45-9708-019B960494DF}">
-                <a14:hiddenLine xmlns:a14="http://schemas.microsoft.com/office/drawing/2010/main" xmlns="" w="9525">
+                <a14:hiddenLine xmlns="" xmlns:a14="http://schemas.microsoft.com/office/drawing/2010/main" w="9525">
                   <a:solidFill>
                     <a:srgbClr val="000000"/>
                   </a:solidFill>
@@ -9331,7 +9387,7 @@
             </a:ln>
             <a:extLst>
               <a:ext uri="{91240B29-F687-4f45-9708-019B960494DF}">
-                <a14:hiddenLine xmlns:a14="http://schemas.microsoft.com/office/drawing/2010/main" xmlns="" w="9525">
+                <a14:hiddenLine xmlns="" xmlns:a14="http://schemas.microsoft.com/office/drawing/2010/main" w="9525">
                   <a:solidFill>
                     <a:srgbClr val="000000"/>
                   </a:solidFill>
@@ -9393,7 +9449,7 @@
             </a:ln>
             <a:extLst>
               <a:ext uri="{91240B29-F687-4f45-9708-019B960494DF}">
-                <a14:hiddenLine xmlns:a14="http://schemas.microsoft.com/office/drawing/2010/main" xmlns="" w="9525">
+                <a14:hiddenLine xmlns="" xmlns:a14="http://schemas.microsoft.com/office/drawing/2010/main" w="9525">
                   <a:solidFill>
                     <a:srgbClr val="000000"/>
                   </a:solidFill>
@@ -9483,7 +9539,7 @@
             </a:ln>
             <a:extLst>
               <a:ext uri="{91240B29-F687-4f45-9708-019B960494DF}">
-                <a14:hiddenLine xmlns:a14="http://schemas.microsoft.com/office/drawing/2010/main" xmlns="" w="9525">
+                <a14:hiddenLine xmlns="" xmlns:a14="http://schemas.microsoft.com/office/drawing/2010/main" w="9525">
                   <a:solidFill>
                     <a:srgbClr val="000000"/>
                   </a:solidFill>
@@ -9551,7 +9607,7 @@
             </a:ln>
             <a:extLst>
               <a:ext uri="{91240B29-F687-4f45-9708-019B960494DF}">
-                <a14:hiddenLine xmlns:a14="http://schemas.microsoft.com/office/drawing/2010/main" xmlns="" w="9525">
+                <a14:hiddenLine xmlns="" xmlns:a14="http://schemas.microsoft.com/office/drawing/2010/main" w="9525">
                   <a:solidFill>
                     <a:srgbClr val="000000"/>
                   </a:solidFill>
@@ -9613,7 +9669,7 @@
             </a:ln>
             <a:extLst>
               <a:ext uri="{91240B29-F687-4f45-9708-019B960494DF}">
-                <a14:hiddenLine xmlns:a14="http://schemas.microsoft.com/office/drawing/2010/main" xmlns="" w="9525">
+                <a14:hiddenLine xmlns="" xmlns:a14="http://schemas.microsoft.com/office/drawing/2010/main" w="9525">
                   <a:solidFill>
                     <a:srgbClr val="000000"/>
                   </a:solidFill>
@@ -9703,7 +9759,7 @@
             </a:ln>
             <a:extLst>
               <a:ext uri="{91240B29-F687-4f45-9708-019B960494DF}">
-                <a14:hiddenLine xmlns:a14="http://schemas.microsoft.com/office/drawing/2010/main" xmlns="" w="9525">
+                <a14:hiddenLine xmlns="" xmlns:a14="http://schemas.microsoft.com/office/drawing/2010/main" w="9525">
                   <a:solidFill>
                     <a:srgbClr val="000000"/>
                   </a:solidFill>
@@ -9765,7 +9821,7 @@
             </a:ln>
             <a:extLst>
               <a:ext uri="{91240B29-F687-4f45-9708-019B960494DF}">
-                <a14:hiddenLine xmlns:a14="http://schemas.microsoft.com/office/drawing/2010/main" xmlns="" w="9525">
+                <a14:hiddenLine xmlns="" xmlns:a14="http://schemas.microsoft.com/office/drawing/2010/main" w="9525">
                   <a:solidFill>
                     <a:srgbClr val="000000"/>
                   </a:solidFill>
@@ -9855,7 +9911,7 @@
             </a:ln>
             <a:extLst>
               <a:ext uri="{91240B29-F687-4f45-9708-019B960494DF}">
-                <a14:hiddenLine xmlns:a14="http://schemas.microsoft.com/office/drawing/2010/main" xmlns="" w="9525">
+                <a14:hiddenLine xmlns="" xmlns:a14="http://schemas.microsoft.com/office/drawing/2010/main" w="9525">
                   <a:solidFill>
                     <a:srgbClr val="000000"/>
                   </a:solidFill>
@@ -9917,7 +9973,7 @@
             </a:ln>
             <a:extLst>
               <a:ext uri="{91240B29-F687-4f45-9708-019B960494DF}">
-                <a14:hiddenLine xmlns:a14="http://schemas.microsoft.com/office/drawing/2010/main" xmlns="" w="9525">
+                <a14:hiddenLine xmlns="" xmlns:a14="http://schemas.microsoft.com/office/drawing/2010/main" w="9525">
                   <a:solidFill>
                     <a:srgbClr val="000000"/>
                   </a:solidFill>
@@ -10007,7 +10063,7 @@
             </a:ln>
             <a:extLst>
               <a:ext uri="{91240B29-F687-4f45-9708-019B960494DF}">
-                <a14:hiddenLine xmlns:a14="http://schemas.microsoft.com/office/drawing/2010/main" xmlns="" w="9525">
+                <a14:hiddenLine xmlns="" xmlns:a14="http://schemas.microsoft.com/office/drawing/2010/main" w="9525">
                   <a:solidFill>
                     <a:srgbClr val="000000"/>
                   </a:solidFill>
@@ -10041,7 +10097,7 @@
             </a:ln>
             <a:extLst>
               <a:ext uri="{91240B29-F687-4f45-9708-019B960494DF}">
-                <a14:hiddenLine xmlns:a14="http://schemas.microsoft.com/office/drawing/2010/main" xmlns="" w="9525">
+                <a14:hiddenLine xmlns="" xmlns:a14="http://schemas.microsoft.com/office/drawing/2010/main" w="9525">
                   <a:solidFill>
                     <a:srgbClr val="000000"/>
                   </a:solidFill>
@@ -10106,7 +10162,7 @@
             </a:ln>
             <a:extLst>
               <a:ext uri="{91240B29-F687-4f45-9708-019B960494DF}">
-                <a14:hiddenLine xmlns:a14="http://schemas.microsoft.com/office/drawing/2010/main" xmlns="" w="9525">
+                <a14:hiddenLine xmlns="" xmlns:a14="http://schemas.microsoft.com/office/drawing/2010/main" w="9525">
                   <a:solidFill>
                     <a:srgbClr val="000000"/>
                   </a:solidFill>
@@ -10196,7 +10252,7 @@
             </a:ln>
             <a:extLst>
               <a:ext uri="{91240B29-F687-4f45-9708-019B960494DF}">
-                <a14:hiddenLine xmlns:a14="http://schemas.microsoft.com/office/drawing/2010/main" xmlns="" w="9525">
+                <a14:hiddenLine xmlns="" xmlns:a14="http://schemas.microsoft.com/office/drawing/2010/main" w="9525">
                   <a:solidFill>
                     <a:srgbClr val="000000"/>
                   </a:solidFill>
@@ -10258,7 +10314,7 @@
             </a:ln>
             <a:extLst>
               <a:ext uri="{91240B29-F687-4f45-9708-019B960494DF}">
-                <a14:hiddenLine xmlns:a14="http://schemas.microsoft.com/office/drawing/2010/main" xmlns="" w="9525">
+                <a14:hiddenLine xmlns="" xmlns:a14="http://schemas.microsoft.com/office/drawing/2010/main" w="9525">
                   <a:solidFill>
                     <a:srgbClr val="000000"/>
                   </a:solidFill>
@@ -10348,7 +10404,7 @@
             </a:ln>
             <a:extLst>
               <a:ext uri="{91240B29-F687-4f45-9708-019B960494DF}">
-                <a14:hiddenLine xmlns:a14="http://schemas.microsoft.com/office/drawing/2010/main" xmlns="" w="9525">
+                <a14:hiddenLine xmlns="" xmlns:a14="http://schemas.microsoft.com/office/drawing/2010/main" w="9525">
                   <a:solidFill>
                     <a:srgbClr val="000000"/>
                   </a:solidFill>
@@ -10438,7 +10494,7 @@
             </a:ln>
             <a:extLst>
               <a:ext uri="{91240B29-F687-4f45-9708-019B960494DF}">
-                <a14:hiddenLine xmlns:a14="http://schemas.microsoft.com/office/drawing/2010/main" xmlns="" w="9525">
+                <a14:hiddenLine xmlns="" xmlns:a14="http://schemas.microsoft.com/office/drawing/2010/main" w="9525">
                   <a:solidFill>
                     <a:srgbClr val="000000"/>
                   </a:solidFill>
@@ -10503,7 +10559,7 @@
             </a:ln>
             <a:extLst>
               <a:ext uri="{91240B29-F687-4f45-9708-019B960494DF}">
-                <a14:hiddenLine xmlns:a14="http://schemas.microsoft.com/office/drawing/2010/main" xmlns="" w="9525">
+                <a14:hiddenLine xmlns="" xmlns:a14="http://schemas.microsoft.com/office/drawing/2010/main" w="9525">
                   <a:solidFill>
                     <a:srgbClr val="000000"/>
                   </a:solidFill>
@@ -10565,7 +10621,7 @@
             </a:ln>
             <a:extLst>
               <a:ext uri="{91240B29-F687-4f45-9708-019B960494DF}">
-                <a14:hiddenLine xmlns:a14="http://schemas.microsoft.com/office/drawing/2010/main" xmlns="" w="9525">
+                <a14:hiddenLine xmlns="" xmlns:a14="http://schemas.microsoft.com/office/drawing/2010/main" w="9525">
                   <a:solidFill>
                     <a:srgbClr val="000000"/>
                   </a:solidFill>
@@ -10655,7 +10711,7 @@
             </a:ln>
             <a:extLst>
               <a:ext uri="{91240B29-F687-4f45-9708-019B960494DF}">
-                <a14:hiddenLine xmlns:a14="http://schemas.microsoft.com/office/drawing/2010/main" xmlns="" w="9525">
+                <a14:hiddenLine xmlns="" xmlns:a14="http://schemas.microsoft.com/office/drawing/2010/main" w="9525">
                   <a:solidFill>
                     <a:srgbClr val="000000"/>
                   </a:solidFill>
@@ -10745,7 +10801,7 @@
             </a:ln>
             <a:extLst>
               <a:ext uri="{91240B29-F687-4f45-9708-019B960494DF}">
-                <a14:hiddenLine xmlns:a14="http://schemas.microsoft.com/office/drawing/2010/main" xmlns="" w="9525">
+                <a14:hiddenLine xmlns="" xmlns:a14="http://schemas.microsoft.com/office/drawing/2010/main" w="9525">
                   <a:solidFill>
                     <a:srgbClr val="000000"/>
                   </a:solidFill>
@@ -10807,7 +10863,7 @@
             </a:ln>
             <a:extLst>
               <a:ext uri="{91240B29-F687-4f45-9708-019B960494DF}">
-                <a14:hiddenLine xmlns:a14="http://schemas.microsoft.com/office/drawing/2010/main" xmlns="" w="9525">
+                <a14:hiddenLine xmlns="" xmlns:a14="http://schemas.microsoft.com/office/drawing/2010/main" w="9525">
                   <a:solidFill>
                     <a:srgbClr val="000000"/>
                   </a:solidFill>
@@ -10927,7 +10983,7 @@
             </a:ln>
             <a:extLst>
               <a:ext uri="{91240B29-F687-4f45-9708-019B960494DF}">
-                <a14:hiddenLine xmlns:a14="http://schemas.microsoft.com/office/drawing/2010/main" xmlns="" w="9525">
+                <a14:hiddenLine xmlns="" xmlns:a14="http://schemas.microsoft.com/office/drawing/2010/main" w="9525">
                   <a:solidFill>
                     <a:srgbClr val="000000"/>
                   </a:solidFill>
@@ -10995,7 +11051,7 @@
             </a:ln>
             <a:extLst>
               <a:ext uri="{91240B29-F687-4f45-9708-019B960494DF}">
-                <a14:hiddenLine xmlns:a14="http://schemas.microsoft.com/office/drawing/2010/main" xmlns="" w="9525">
+                <a14:hiddenLine xmlns="" xmlns:a14="http://schemas.microsoft.com/office/drawing/2010/main" w="9525">
                   <a:solidFill>
                     <a:srgbClr val="000000"/>
                   </a:solidFill>
@@ -11085,7 +11141,7 @@
             </a:ln>
             <a:extLst>
               <a:ext uri="{91240B29-F687-4f45-9708-019B960494DF}">
-                <a14:hiddenLine xmlns:a14="http://schemas.microsoft.com/office/drawing/2010/main" xmlns="" w="9525">
+                <a14:hiddenLine xmlns="" xmlns:a14="http://schemas.microsoft.com/office/drawing/2010/main" w="9525">
                   <a:solidFill>
                     <a:srgbClr val="000000"/>
                   </a:solidFill>
@@ -15807,7 +15863,7 @@
           <a:noFill/>
           <a:extLst>
             <a:ext uri="{909E8E84-426E-40dd-AFC4-6F175D3DCCD1}">
-              <a14:hiddenFill xmlns:a14="http://schemas.microsoft.com/office/drawing/2010/main" xmlns="">
+              <a14:hiddenFill xmlns="" xmlns:a14="http://schemas.microsoft.com/office/drawing/2010/main">
                 <a:solidFill>
                   <a:srgbClr val="FFFFFF"/>
                 </a:solidFill>
@@ -15881,7 +15937,7 @@
               </a:ln>
               <a:extLst>
                 <a:ext uri="{91240B29-F687-4f45-9708-019B960494DF}">
-                  <a14:hiddenLine xmlns:a14="http://schemas.microsoft.com/office/drawing/2010/main" xmlns="" w="9525">
+                  <a14:hiddenLine xmlns="" xmlns:a14="http://schemas.microsoft.com/office/drawing/2010/main" w="9525">
                     <a:solidFill>
                       <a:srgbClr val="000000"/>
                     </a:solidFill>
@@ -15971,7 +16027,7 @@
               </a:ln>
               <a:extLst>
                 <a:ext uri="{91240B29-F687-4f45-9708-019B960494DF}">
-                  <a14:hiddenLine xmlns:a14="http://schemas.microsoft.com/office/drawing/2010/main" xmlns="" w="9525">
+                  <a14:hiddenLine xmlns="" xmlns:a14="http://schemas.microsoft.com/office/drawing/2010/main" w="9525">
                     <a:solidFill>
                       <a:srgbClr val="000000"/>
                     </a:solidFill>
@@ -16061,7 +16117,7 @@
               </a:ln>
               <a:extLst>
                 <a:ext uri="{91240B29-F687-4f45-9708-019B960494DF}">
-                  <a14:hiddenLine xmlns:a14="http://schemas.microsoft.com/office/drawing/2010/main" xmlns="" w="9525">
+                  <a14:hiddenLine xmlns="" xmlns:a14="http://schemas.microsoft.com/office/drawing/2010/main" w="9525">
                     <a:solidFill>
                       <a:srgbClr val="000000"/>
                     </a:solidFill>
@@ -16123,7 +16179,7 @@
               </a:ln>
               <a:extLst>
                 <a:ext uri="{91240B29-F687-4f45-9708-019B960494DF}">
-                  <a14:hiddenLine xmlns:a14="http://schemas.microsoft.com/office/drawing/2010/main" xmlns="" w="9525">
+                  <a14:hiddenLine xmlns="" xmlns:a14="http://schemas.microsoft.com/office/drawing/2010/main" w="9525">
                     <a:solidFill>
                       <a:srgbClr val="000000"/>
                     </a:solidFill>
@@ -16213,7 +16269,7 @@
               </a:ln>
               <a:extLst>
                 <a:ext uri="{91240B29-F687-4f45-9708-019B960494DF}">
-                  <a14:hiddenLine xmlns:a14="http://schemas.microsoft.com/office/drawing/2010/main" xmlns="" w="9525">
+                  <a14:hiddenLine xmlns="" xmlns:a14="http://schemas.microsoft.com/office/drawing/2010/main" w="9525">
                     <a:solidFill>
                       <a:srgbClr val="000000"/>
                     </a:solidFill>
@@ -16275,7 +16331,7 @@
               </a:ln>
               <a:extLst>
                 <a:ext uri="{91240B29-F687-4f45-9708-019B960494DF}">
-                  <a14:hiddenLine xmlns:a14="http://schemas.microsoft.com/office/drawing/2010/main" xmlns="" w="9525">
+                  <a14:hiddenLine xmlns="" xmlns:a14="http://schemas.microsoft.com/office/drawing/2010/main" w="9525">
                     <a:solidFill>
                       <a:srgbClr val="000000"/>
                     </a:solidFill>
@@ -16337,7 +16393,7 @@
               </a:ln>
               <a:extLst>
                 <a:ext uri="{91240B29-F687-4f45-9708-019B960494DF}">
-                  <a14:hiddenLine xmlns:a14="http://schemas.microsoft.com/office/drawing/2010/main" xmlns="" w="9525">
+                  <a14:hiddenLine xmlns="" xmlns:a14="http://schemas.microsoft.com/office/drawing/2010/main" w="9525">
                     <a:solidFill>
                       <a:srgbClr val="000000"/>
                     </a:solidFill>
@@ -16427,7 +16483,7 @@
               </a:ln>
               <a:extLst>
                 <a:ext uri="{91240B29-F687-4f45-9708-019B960494DF}">
-                  <a14:hiddenLine xmlns:a14="http://schemas.microsoft.com/office/drawing/2010/main" xmlns="" w="9525">
+                  <a14:hiddenLine xmlns="" xmlns:a14="http://schemas.microsoft.com/office/drawing/2010/main" w="9525">
                     <a:solidFill>
                       <a:srgbClr val="000000"/>
                     </a:solidFill>
@@ -16517,7 +16573,7 @@
               </a:ln>
               <a:extLst>
                 <a:ext uri="{91240B29-F687-4f45-9708-019B960494DF}">
-                  <a14:hiddenLine xmlns:a14="http://schemas.microsoft.com/office/drawing/2010/main" xmlns="" w="9525">
+                  <a14:hiddenLine xmlns="" xmlns:a14="http://schemas.microsoft.com/office/drawing/2010/main" w="9525">
                     <a:solidFill>
                       <a:srgbClr val="000000"/>
                     </a:solidFill>
@@ -16579,7 +16635,7 @@
               </a:ln>
               <a:extLst>
                 <a:ext uri="{91240B29-F687-4f45-9708-019B960494DF}">
-                  <a14:hiddenLine xmlns:a14="http://schemas.microsoft.com/office/drawing/2010/main" xmlns="" w="9525">
+                  <a14:hiddenLine xmlns="" xmlns:a14="http://schemas.microsoft.com/office/drawing/2010/main" w="9525">
                     <a:solidFill>
                       <a:srgbClr val="000000"/>
                     </a:solidFill>
@@ -16689,7 +16745,7 @@
               </a:ln>
               <a:extLst>
                 <a:ext uri="{91240B29-F687-4f45-9708-019B960494DF}">
-                  <a14:hiddenLine xmlns:a14="http://schemas.microsoft.com/office/drawing/2010/main" xmlns="" w="9525">
+                  <a14:hiddenLine xmlns="" xmlns:a14="http://schemas.microsoft.com/office/drawing/2010/main" w="9525">
                     <a:solidFill>
                       <a:srgbClr val="000000"/>
                     </a:solidFill>
@@ -16773,7 +16829,7 @@
               </a:ln>
               <a:extLst>
                 <a:ext uri="{91240B29-F687-4f45-9708-019B960494DF}">
-                  <a14:hiddenLine xmlns:a14="http://schemas.microsoft.com/office/drawing/2010/main" xmlns="" w="9525">
+                  <a14:hiddenLine xmlns="" xmlns:a14="http://schemas.microsoft.com/office/drawing/2010/main" w="9525">
                     <a:solidFill>
                       <a:srgbClr val="000000"/>
                     </a:solidFill>
@@ -16835,7 +16891,7 @@
               </a:ln>
               <a:extLst>
                 <a:ext uri="{91240B29-F687-4f45-9708-019B960494DF}">
-                  <a14:hiddenLine xmlns:a14="http://schemas.microsoft.com/office/drawing/2010/main" xmlns="" w="9525">
+                  <a14:hiddenLine xmlns="" xmlns:a14="http://schemas.microsoft.com/office/drawing/2010/main" w="9525">
                     <a:solidFill>
                       <a:srgbClr val="000000"/>
                     </a:solidFill>
@@ -16897,7 +16953,7 @@
               </a:ln>
               <a:extLst>
                 <a:ext uri="{91240B29-F687-4f45-9708-019B960494DF}">
-                  <a14:hiddenLine xmlns:a14="http://schemas.microsoft.com/office/drawing/2010/main" xmlns="" w="9525">
+                  <a14:hiddenLine xmlns="" xmlns:a14="http://schemas.microsoft.com/office/drawing/2010/main" w="9525">
                     <a:solidFill>
                       <a:srgbClr val="000000"/>
                     </a:solidFill>
@@ -16987,7 +17043,7 @@
               </a:ln>
               <a:extLst>
                 <a:ext uri="{91240B29-F687-4f45-9708-019B960494DF}">
-                  <a14:hiddenLine xmlns:a14="http://schemas.microsoft.com/office/drawing/2010/main" xmlns="" w="9525">
+                  <a14:hiddenLine xmlns="" xmlns:a14="http://schemas.microsoft.com/office/drawing/2010/main" w="9525">
                     <a:solidFill>
                       <a:srgbClr val="000000"/>
                     </a:solidFill>
@@ -17021,7 +17077,7 @@
               </a:ln>
               <a:extLst>
                 <a:ext uri="{91240B29-F687-4f45-9708-019B960494DF}">
-                  <a14:hiddenLine xmlns:a14="http://schemas.microsoft.com/office/drawing/2010/main" xmlns="" w="9525">
+                  <a14:hiddenLine xmlns="" xmlns:a14="http://schemas.microsoft.com/office/drawing/2010/main" w="9525">
                     <a:solidFill>
                       <a:srgbClr val="000000"/>
                     </a:solidFill>
@@ -17086,7 +17142,7 @@
               </a:ln>
               <a:extLst>
                 <a:ext uri="{91240B29-F687-4f45-9708-019B960494DF}">
-                  <a14:hiddenLine xmlns:a14="http://schemas.microsoft.com/office/drawing/2010/main" xmlns="" w="9525">
+                  <a14:hiddenLine xmlns="" xmlns:a14="http://schemas.microsoft.com/office/drawing/2010/main" w="9525">
                     <a:solidFill>
                       <a:srgbClr val="000000"/>
                     </a:solidFill>
@@ -17176,7 +17232,7 @@
               </a:ln>
               <a:extLst>
                 <a:ext uri="{91240B29-F687-4f45-9708-019B960494DF}">
-                  <a14:hiddenLine xmlns:a14="http://schemas.microsoft.com/office/drawing/2010/main" xmlns="" w="9525">
+                  <a14:hiddenLine xmlns="" xmlns:a14="http://schemas.microsoft.com/office/drawing/2010/main" w="9525">
                     <a:solidFill>
                       <a:srgbClr val="000000"/>
                     </a:solidFill>
@@ -17238,7 +17294,7 @@
               </a:ln>
               <a:extLst>
                 <a:ext uri="{91240B29-F687-4f45-9708-019B960494DF}">
-                  <a14:hiddenLine xmlns:a14="http://schemas.microsoft.com/office/drawing/2010/main" xmlns="" w="9525">
+                  <a14:hiddenLine xmlns="" xmlns:a14="http://schemas.microsoft.com/office/drawing/2010/main" w="9525">
                     <a:solidFill>
                       <a:srgbClr val="000000"/>
                     </a:solidFill>
@@ -17328,7 +17384,7 @@
               </a:ln>
               <a:extLst>
                 <a:ext uri="{91240B29-F687-4f45-9708-019B960494DF}">
-                  <a14:hiddenLine xmlns:a14="http://schemas.microsoft.com/office/drawing/2010/main" xmlns="" w="9525">
+                  <a14:hiddenLine xmlns="" xmlns:a14="http://schemas.microsoft.com/office/drawing/2010/main" w="9525">
                     <a:solidFill>
                       <a:srgbClr val="000000"/>
                     </a:solidFill>
@@ -17393,7 +17449,7 @@
               </a:ln>
               <a:extLst>
                 <a:ext uri="{91240B29-F687-4f45-9708-019B960494DF}">
-                  <a14:hiddenLine xmlns:a14="http://schemas.microsoft.com/office/drawing/2010/main" xmlns="" w="9525">
+                  <a14:hiddenLine xmlns="" xmlns:a14="http://schemas.microsoft.com/office/drawing/2010/main" w="9525">
                     <a:solidFill>
                       <a:srgbClr val="000000"/>
                     </a:solidFill>
@@ -17455,7 +17511,7 @@
               </a:ln>
               <a:extLst>
                 <a:ext uri="{91240B29-F687-4f45-9708-019B960494DF}">
-                  <a14:hiddenLine xmlns:a14="http://schemas.microsoft.com/office/drawing/2010/main" xmlns="" w="9525">
+                  <a14:hiddenLine xmlns="" xmlns:a14="http://schemas.microsoft.com/office/drawing/2010/main" w="9525">
                     <a:solidFill>
                       <a:srgbClr val="000000"/>
                     </a:solidFill>
@@ -17545,7 +17601,7 @@
               </a:ln>
               <a:extLst>
                 <a:ext uri="{91240B29-F687-4f45-9708-019B960494DF}">
-                  <a14:hiddenLine xmlns:a14="http://schemas.microsoft.com/office/drawing/2010/main" xmlns="" w="9525">
+                  <a14:hiddenLine xmlns="" xmlns:a14="http://schemas.microsoft.com/office/drawing/2010/main" w="9525">
                     <a:solidFill>
                       <a:srgbClr val="000000"/>
                     </a:solidFill>
@@ -17635,7 +17691,7 @@
               </a:ln>
               <a:extLst>
                 <a:ext uri="{91240B29-F687-4f45-9708-019B960494DF}">
-                  <a14:hiddenLine xmlns:a14="http://schemas.microsoft.com/office/drawing/2010/main" xmlns="" w="9525">
+                  <a14:hiddenLine xmlns="" xmlns:a14="http://schemas.microsoft.com/office/drawing/2010/main" w="9525">
                     <a:solidFill>
                       <a:srgbClr val="000000"/>
                     </a:solidFill>
@@ -17700,7 +17756,7 @@
               </a:ln>
               <a:extLst>
                 <a:ext uri="{91240B29-F687-4f45-9708-019B960494DF}">
-                  <a14:hiddenLine xmlns:a14="http://schemas.microsoft.com/office/drawing/2010/main" xmlns="" w="9525">
+                  <a14:hiddenLine xmlns="" xmlns:a14="http://schemas.microsoft.com/office/drawing/2010/main" w="9525">
                     <a:solidFill>
                       <a:srgbClr val="000000"/>
                     </a:solidFill>
@@ -17820,7 +17876,7 @@
               </a:ln>
               <a:extLst>
                 <a:ext uri="{91240B29-F687-4f45-9708-019B960494DF}">
-                  <a14:hiddenLine xmlns:a14="http://schemas.microsoft.com/office/drawing/2010/main" xmlns="" w="9525">
+                  <a14:hiddenLine xmlns="" xmlns:a14="http://schemas.microsoft.com/office/drawing/2010/main" w="9525">
                     <a:solidFill>
                       <a:srgbClr val="000000"/>
                     </a:solidFill>
@@ -17918,7 +17974,7 @@
               </a:ln>
               <a:extLst>
                 <a:ext uri="{91240B29-F687-4f45-9708-019B960494DF}">
-                  <a14:hiddenLine xmlns:a14="http://schemas.microsoft.com/office/drawing/2010/main" xmlns="" w="9525">
+                  <a14:hiddenLine xmlns="" xmlns:a14="http://schemas.microsoft.com/office/drawing/2010/main" w="9525">
                     <a:solidFill>
                       <a:srgbClr val="000000"/>
                     </a:solidFill>
@@ -18033,7 +18089,7 @@
               </a:ln>
               <a:extLst>
                 <a:ext uri="{91240B29-F687-4f45-9708-019B960494DF}">
-                  <a14:hiddenLine xmlns:a14="http://schemas.microsoft.com/office/drawing/2010/main" xmlns="" w="9525">
+                  <a14:hiddenLine xmlns="" xmlns:a14="http://schemas.microsoft.com/office/drawing/2010/main" w="9525">
                     <a:solidFill>
                       <a:srgbClr val="000000"/>
                     </a:solidFill>
@@ -18123,7 +18179,7 @@
               </a:ln>
               <a:extLst>
                 <a:ext uri="{91240B29-F687-4f45-9708-019B960494DF}">
-                  <a14:hiddenLine xmlns:a14="http://schemas.microsoft.com/office/drawing/2010/main" xmlns="" w="9525">
+                  <a14:hiddenLine xmlns="" xmlns:a14="http://schemas.microsoft.com/office/drawing/2010/main" w="9525">
                     <a:solidFill>
                       <a:srgbClr val="000000"/>
                     </a:solidFill>
@@ -18188,7 +18244,7 @@
               </a:ln>
               <a:extLst>
                 <a:ext uri="{91240B29-F687-4f45-9708-019B960494DF}">
-                  <a14:hiddenLine xmlns:a14="http://schemas.microsoft.com/office/drawing/2010/main" xmlns="" w="9525">
+                  <a14:hiddenLine xmlns="" xmlns:a14="http://schemas.microsoft.com/office/drawing/2010/main" w="9525">
                     <a:solidFill>
                       <a:srgbClr val="000000"/>
                     </a:solidFill>
@@ -18278,7 +18334,7 @@
               </a:ln>
               <a:extLst>
                 <a:ext uri="{91240B29-F687-4f45-9708-019B960494DF}">
-                  <a14:hiddenLine xmlns:a14="http://schemas.microsoft.com/office/drawing/2010/main" xmlns="" w="9525">
+                  <a14:hiddenLine xmlns="" xmlns:a14="http://schemas.microsoft.com/office/drawing/2010/main" w="9525">
                     <a:solidFill>
                       <a:srgbClr val="000000"/>
                     </a:solidFill>
@@ -18346,7 +18402,7 @@
               </a:ln>
               <a:extLst>
                 <a:ext uri="{91240B29-F687-4f45-9708-019B960494DF}">
-                  <a14:hiddenLine xmlns:a14="http://schemas.microsoft.com/office/drawing/2010/main" xmlns="" w="9525">
+                  <a14:hiddenLine xmlns="" xmlns:a14="http://schemas.microsoft.com/office/drawing/2010/main" w="9525">
                     <a:solidFill>
                       <a:srgbClr val="000000"/>
                     </a:solidFill>
@@ -18436,7 +18492,7 @@
               </a:ln>
               <a:extLst>
                 <a:ext uri="{91240B29-F687-4f45-9708-019B960494DF}">
-                  <a14:hiddenLine xmlns:a14="http://schemas.microsoft.com/office/drawing/2010/main" xmlns="" w="9525">
+                  <a14:hiddenLine xmlns="" xmlns:a14="http://schemas.microsoft.com/office/drawing/2010/main" w="9525">
                     <a:solidFill>
                       <a:srgbClr val="000000"/>
                     </a:solidFill>
@@ -18504,7 +18560,7 @@
               </a:ln>
               <a:extLst>
                 <a:ext uri="{91240B29-F687-4f45-9708-019B960494DF}">
-                  <a14:hiddenLine xmlns:a14="http://schemas.microsoft.com/office/drawing/2010/main" xmlns="" w="9525">
+                  <a14:hiddenLine xmlns="" xmlns:a14="http://schemas.microsoft.com/office/drawing/2010/main" w="9525">
                     <a:solidFill>
                       <a:srgbClr val="000000"/>
                     </a:solidFill>
@@ -18594,7 +18650,7 @@
               </a:ln>
               <a:extLst>
                 <a:ext uri="{91240B29-F687-4f45-9708-019B960494DF}">
-                  <a14:hiddenLine xmlns:a14="http://schemas.microsoft.com/office/drawing/2010/main" xmlns="" w="9525">
+                  <a14:hiddenLine xmlns="" xmlns:a14="http://schemas.microsoft.com/office/drawing/2010/main" w="9525">
                     <a:solidFill>
                       <a:srgbClr val="000000"/>
                     </a:solidFill>
@@ -18628,7 +18684,7 @@
               </a:ln>
               <a:extLst>
                 <a:ext uri="{91240B29-F687-4f45-9708-019B960494DF}">
-                  <a14:hiddenLine xmlns:a14="http://schemas.microsoft.com/office/drawing/2010/main" xmlns="" w="9525">
+                  <a14:hiddenLine xmlns="" xmlns:a14="http://schemas.microsoft.com/office/drawing/2010/main" w="9525">
                     <a:solidFill>
                       <a:srgbClr val="000000"/>
                     </a:solidFill>
@@ -20712,13 +20768,11 @@
       </p:sp>
       <p:pic>
         <p:nvPicPr>
-          <p:cNvPr id="4" name="Content Placeholder 3"/>
+          <p:cNvPr id="6" name="Picture 5"/>
           <p:cNvPicPr>
-            <a:picLocks noGrp="1" noChangeAspect="1"/>
+            <a:picLocks noChangeAspect="1"/>
           </p:cNvPicPr>
-          <p:nvPr>
-            <p:ph idx="1"/>
-          </p:nvPr>
+          <p:nvPr/>
         </p:nvPicPr>
         <p:blipFill>
           <a:blip r:embed="rId2">
@@ -20734,14 +20788,17 @@
         </p:blipFill>
         <p:spPr>
           <a:xfrm>
-            <a:off x="1434465" y="1904047"/>
-            <a:ext cx="4954587" cy="4330677"/>
+            <a:off x="6914909" y="1904047"/>
+            <a:ext cx="1931247" cy="4330677"/>
           </a:xfrm>
+          <a:prstGeom prst="rect">
+            <a:avLst/>
+          </a:prstGeom>
         </p:spPr>
       </p:pic>
       <p:pic>
         <p:nvPicPr>
-          <p:cNvPr id="6" name="Picture 5"/>
+          <p:cNvPr id="7" name="Picture 6"/>
           <p:cNvPicPr>
             <a:picLocks noChangeAspect="1"/>
           </p:cNvPicPr>
@@ -20761,8 +20818,8 @@
         </p:blipFill>
         <p:spPr>
           <a:xfrm>
-            <a:off x="6885092" y="1904047"/>
-            <a:ext cx="1931247" cy="4330677"/>
+            <a:off x="8846156" y="1904047"/>
+            <a:ext cx="1917271" cy="4330677"/>
           </a:xfrm>
           <a:prstGeom prst="rect">
             <a:avLst/>
@@ -20771,7 +20828,7 @@
       </p:pic>
       <p:pic>
         <p:nvPicPr>
-          <p:cNvPr id="7" name="Picture 6"/>
+          <p:cNvPr id="5" name="Picture 4"/>
           <p:cNvPicPr>
             <a:picLocks noChangeAspect="1"/>
           </p:cNvPicPr>
@@ -20791,8 +20848,8 @@
         </p:blipFill>
         <p:spPr>
           <a:xfrm>
-            <a:off x="8816339" y="1904047"/>
-            <a:ext cx="1917271" cy="4330677"/>
+            <a:off x="1370013" y="1891324"/>
+            <a:ext cx="4978400" cy="4343400"/>
           </a:xfrm>
           <a:prstGeom prst="rect">
             <a:avLst/>
@@ -21740,7 +21797,6 @@
               <a:rPr lang="en-US" dirty="0"/>
               <a:t>"]</a:t>
             </a:r>
-            <a:endParaRPr lang="en-US" dirty="0"/>
           </a:p>
           <a:p>
             <a:r>
@@ -21791,7 +21847,6 @@
               <a:rPr lang="en-US" dirty="0"/>
               <a:t>"]</a:t>
             </a:r>
-            <a:endParaRPr lang="en-US" dirty="0"/>
           </a:p>
           <a:p>
             <a:r>
@@ -21842,7 +21897,6 @@
               <a:rPr lang="en-US" dirty="0"/>
               <a:t>"]</a:t>
             </a:r>
-            <a:endParaRPr lang="en-US" dirty="0"/>
           </a:p>
           <a:p>
             <a:r>
@@ -21893,7 +21947,6 @@
               <a:rPr lang="en-US" dirty="0"/>
               <a:t>"]</a:t>
             </a:r>
-            <a:endParaRPr lang="en-US" dirty="0"/>
           </a:p>
           <a:p>
             <a:r>
@@ -21936,7 +21989,6 @@
               <a:rPr lang="en-US" dirty="0"/>
               <a:t>"]</a:t>
             </a:r>
-            <a:endParaRPr lang="en-US" dirty="0"/>
           </a:p>
           <a:p>
             <a:r>
@@ -21987,7 +22039,6 @@
               <a:rPr lang="en-US" dirty="0"/>
               <a:t>"]</a:t>
             </a:r>
-            <a:endParaRPr lang="en-US" dirty="0"/>
           </a:p>
           <a:p>
             <a:r>
@@ -22070,7 +22121,6 @@
               <a:rPr lang="en-US" dirty="0"/>
               <a:t>"])</a:t>
             </a:r>
-            <a:endParaRPr lang="en-US" dirty="0"/>
           </a:p>
           <a:p>
             <a:r>

--- a/Rudin/Dummified_ppt.pptx
+++ b/Rudin/Dummified_ppt.pptx
@@ -23487,7 +23487,7 @@
         <p:spPr/>
         <p:txBody>
           <a:bodyPr>
-            <a:normAutofit fontScale="85000" lnSpcReduction="20000"/>
+            <a:normAutofit fontScale="92500" lnSpcReduction="20000"/>
           </a:bodyPr>
           <a:lstStyle/>
           <a:p>
@@ -23531,13 +23531,14 @@
             <a:endParaRPr lang="en-US" dirty="0" smtClean="0"/>
           </a:p>
           <a:p>
+            <a:pPr lvl="1"/>
             <a:r>
               <a:rPr lang="en-US" dirty="0" smtClean="0"/>
               <a:t>Stacking with Meta-Model</a:t>
             </a:r>
           </a:p>
           <a:p>
-            <a:pPr lvl="1"/>
+            <a:pPr lvl="2"/>
             <a:r>
               <a:rPr lang="en-US" dirty="0"/>
               <a:t>Split the total training set into two disjoint sets </a:t>
@@ -23568,7 +23569,7 @@
             </a:r>
           </a:p>
           <a:p>
-            <a:pPr lvl="1"/>
+            <a:pPr lvl="2"/>
             <a:r>
               <a:rPr lang="en-US" dirty="0"/>
               <a:t>Train several base models on the first part </a:t>
@@ -23588,14 +23589,14 @@
             <a:endParaRPr lang="en-US" dirty="0"/>
           </a:p>
           <a:p>
-            <a:pPr lvl="1"/>
+            <a:pPr lvl="2"/>
             <a:r>
               <a:rPr lang="en-US" dirty="0"/>
               <a:t>Test these base models on the second part (holdout)</a:t>
             </a:r>
           </a:p>
           <a:p>
-            <a:pPr lvl="1"/>
+            <a:pPr lvl="2"/>
             <a:r>
               <a:rPr lang="en-US" dirty="0"/>
               <a:t>Use the predictions from 3) </a:t>

--- a/Rudin/Dummified_ppt.pptx
+++ b/Rudin/Dummified_ppt.pptx
@@ -19568,12 +19568,18 @@
         </p:nvSpPr>
         <p:spPr/>
         <p:txBody>
-          <a:bodyPr/>
+          <a:bodyPr>
+            <a:normAutofit/>
+          </a:bodyPr>
           <a:lstStyle/>
           <a:p>
             <a:r>
               <a:rPr lang="en-US" dirty="0" smtClean="0"/>
-              <a:t>RMSE scores of models without hyper-parameter tuning (Robust </a:t>
+              <a:t>RMSE </a:t>
+            </a:r>
+            <a:r>
+              <a:rPr lang="en-US" dirty="0" smtClean="0"/>
+              <a:t>scores of models without hyper-parameter tuning (Robust </a:t>
             </a:r>
             <a:r>
               <a:rPr lang="en-US" dirty="0" err="1" smtClean="0"/>
@@ -20418,11 +20424,15 @@
             </a:r>
             <a:r>
               <a:rPr lang="en-US" dirty="0" err="1" smtClean="0"/>
-              <a:t>stacked_model</a:t>
+              <a:t>stacked_metamodel</a:t>
             </a:r>
             <a:r>
               <a:rPr lang="en-US" dirty="0" smtClean="0"/>
-              <a:t> + 0.3*</a:t>
+              <a:t> </a:t>
+            </a:r>
+            <a:r>
+              <a:rPr lang="en-US" dirty="0" smtClean="0"/>
+              <a:t>+ 0.3*</a:t>
             </a:r>
             <a:r>
               <a:rPr lang="en-US" dirty="0" err="1" smtClean="0"/>
